--- a/CppZeroCost/2025/Rusyaev/hardening_v2.pptx
+++ b/CppZeroCost/2025/Rusyaev/hardening_v2.pptx
@@ -5,7 +5,7 @@
     <p:sldMasterId id="2147483648" r:id="rId1"/>
   </p:sldMasterIdLst>
   <p:notesMasterIdLst>
-    <p:notesMasterId r:id="rId26"/>
+    <p:notesMasterId r:id="rId24"/>
   </p:notesMasterIdLst>
   <p:sldIdLst>
     <p:sldId id="256" r:id="rId2"/>
@@ -30,8 +30,6 @@
     <p:sldId id="291" r:id="rId21"/>
     <p:sldId id="282" r:id="rId22"/>
     <p:sldId id="278" r:id="rId23"/>
-    <p:sldId id="310" r:id="rId24"/>
-    <p:sldId id="281" r:id="rId25"/>
   </p:sldIdLst>
   <p:sldSz cx="12192000" cy="6858000"/>
   <p:notesSz cx="6858000" cy="9144000"/>
@@ -4004,7 +4002,7 @@
 </file>
 
 <file path=ppt/slides/slide12.xml><?xml version="1.0" encoding="utf-8"?>
-<p:sld xmlns:a="http://schemas.openxmlformats.org/drawingml/2006/main" xmlns:r="http://schemas.openxmlformats.org/officeDocument/2006/relationships" xmlns:p="http://schemas.openxmlformats.org/presentationml/2006/main" show="0">
+<p:sld xmlns:a="http://schemas.openxmlformats.org/drawingml/2006/main" xmlns:r="http://schemas.openxmlformats.org/officeDocument/2006/relationships" xmlns:p="http://schemas.openxmlformats.org/presentationml/2006/main">
   <p:cSld>
     <p:spTree>
       <p:nvGrpSpPr>
@@ -4072,7 +4070,7 @@
           <a:p>
             <a:r>
               <a:rPr lang="ru-RU" dirty="0"/>
-              <a:t>При включенном </a:t>
+              <a:t>При включенном макросе </a:t>
             </a:r>
             <a:r>
               <a:rPr lang="en-US" dirty="0"/>
@@ -4080,7 +4078,7 @@
             </a:r>
             <a:r>
               <a:rPr lang="ru-RU" dirty="0"/>
-              <a:t> функции вызывают встроенные функции компилятора </a:t>
+              <a:t> стандартные функции вызывают встроенные функции компилятора </a:t>
             </a:r>
             <a:r>
               <a:rPr lang="en-US" dirty="0"/>
@@ -5034,7 +5032,7 @@
           <a:p>
             <a:r>
               <a:rPr lang="ru-RU" sz="2400" dirty="0"/>
-              <a:t>Аналогичен обычному </a:t>
+              <a:t>То же что </a:t>
             </a:r>
             <a:r>
               <a:rPr lang="en-US" sz="2400" dirty="0"/>
@@ -10865,7 +10863,7 @@
             </a:pPr>
             <a:r>
               <a:rPr lang="ru-RU" dirty="0"/>
-              <a:t>Следствие - компилятор выбросить </a:t>
+              <a:t>Следствие - компилятор выбросит </a:t>
             </a:r>
             <a:r>
               <a:rPr lang="en-US" dirty="0" err="1"/>
@@ -10879,13 +10877,16 @@
               <a:rPr lang="ru-RU" dirty="0"/>
               <a:t>ветку</a:t>
             </a:r>
-            <a:endParaRPr lang="en-US" dirty="0"/>
           </a:p>
           <a:p>
             <a:pPr marL="285750" indent="-285750">
               <a:buFont typeface="Arial" panose="020B0604020202020204" pitchFamily="34" charset="0"/>
               <a:buChar char="•"/>
             </a:pPr>
+            <a:r>
+              <a:rPr lang="ru-RU" dirty="0"/>
+              <a:t>Детали в </a:t>
+            </a:r>
             <a:r>
               <a:rPr lang="en-US" dirty="0">
                 <a:hlinkClick r:id="rId2"/>
@@ -11323,6 +11324,21 @@
               <a:rPr lang="ru-RU" dirty="0"/>
               <a:t>В С++26 пока только для неинициализированных переменных</a:t>
             </a:r>
+            <a:r>
+              <a:rPr lang="en-US" dirty="0"/>
+              <a:t> (</a:t>
+            </a:r>
+            <a:r>
+              <a:rPr lang="en-US" dirty="0">
+                <a:hlinkClick r:id="rId2"/>
+              </a:rPr>
+              <a:t>P2795</a:t>
+            </a:r>
+            <a:r>
+              <a:rPr lang="en-US" dirty="0"/>
+              <a:t>)</a:t>
+            </a:r>
+            <a:endParaRPr lang="ru-RU" dirty="0"/>
           </a:p>
           <a:p>
             <a:pPr lvl="1"/>
@@ -11332,7 +11348,17 @@
             </a:r>
             <a:r>
               <a:rPr lang="en-US" dirty="0"/>
-              <a:t>missing return (P2973)</a:t>
+              <a:t>missing return (</a:t>
+            </a:r>
+            <a:r>
+              <a:rPr lang="en-US" dirty="0">
+                <a:hlinkClick r:id="rId3"/>
+              </a:rPr>
+              <a:t>P2973</a:t>
+            </a:r>
+            <a:r>
+              <a:rPr lang="en-US" dirty="0"/>
+              <a:t>)</a:t>
             </a:r>
           </a:p>
           <a:p>
@@ -11342,26 +11368,34 @@
           <a:p>
             <a:r>
               <a:rPr lang="ru-RU" dirty="0"/>
-              <a:t>Вероятно будет реализовано на базе </a:t>
-            </a:r>
-            <a:r>
-              <a:rPr lang="en-US" i="1" dirty="0"/>
+              <a:t>Вероятно будет реализовано на базе</a:t>
+            </a:r>
+            <a:r>
+              <a:rPr lang="en-US" dirty="0"/>
+              <a:t> </a:t>
+            </a:r>
+            <a:r>
+              <a:rPr lang="ru-RU" dirty="0"/>
+              <a:t>флага </a:t>
+            </a:r>
+            <a:r>
+              <a:rPr lang="en-US" dirty="0"/>
               <a:t>-</a:t>
             </a:r>
             <a:r>
-              <a:rPr lang="en-US" i="1" dirty="0" err="1"/>
+              <a:rPr lang="en-US" dirty="0" err="1"/>
               <a:t>ftrivial</a:t>
             </a:r>
             <a:r>
-              <a:rPr lang="en-US" i="1" dirty="0"/>
+              <a:rPr lang="en-US" dirty="0"/>
               <a:t>-auto-var-</a:t>
             </a:r>
             <a:r>
-              <a:rPr lang="en-US" i="1" dirty="0" err="1"/>
+              <a:rPr lang="en-US" dirty="0" err="1"/>
               <a:t>init</a:t>
             </a:r>
             <a:r>
-              <a:rPr lang="en-US" i="1" dirty="0"/>
+              <a:rPr lang="en-US" dirty="0"/>
               <a:t>=</a:t>
             </a:r>
           </a:p>
@@ -11412,7 +11446,7 @@
         </p:nvSpPr>
         <p:spPr bwMode="auto">
           <a:xfrm>
-            <a:off x="6829337" y="1386263"/>
+            <a:off x="6924977" y="1296100"/>
             <a:ext cx="2952924" cy="1200329"/>
           </a:xfrm>
           <a:prstGeom prst="rect">
@@ -11656,8 +11690,8 @@
         </p:nvSpPr>
         <p:spPr bwMode="auto">
           <a:xfrm>
-            <a:off x="5969591" y="3396520"/>
-            <a:ext cx="2155271" cy="923330"/>
+            <a:off x="5969590" y="3532617"/>
+            <a:ext cx="2155271" cy="2031325"/>
           </a:xfrm>
           <a:prstGeom prst="rect">
             <a:avLst/>
@@ -11834,17 +11868,136 @@
               </a:rPr>
               <a:t>}</a:t>
             </a:r>
-            <a:endParaRPr kumimoji="0" lang="en-US" altLang="en-US" sz="4400" b="0" i="0" u="none" strike="noStrike" cap="none" normalizeH="0" baseline="0" dirty="0">
-              <a:ln>
-                <a:noFill/>
-              </a:ln>
+          </a:p>
+          <a:p>
+            <a:pPr lvl="0" eaLnBrk="0" fontAlgn="base" hangingPunct="0">
+              <a:spcBef>
+                <a:spcPct val="0"/>
+              </a:spcBef>
+              <a:spcAft>
+                <a:spcPct val="0"/>
+              </a:spcAft>
+            </a:pPr>
+            <a:endParaRPr lang="en-US" altLang="en-US" dirty="0">
               <a:solidFill>
-                <a:schemeClr val="tx1"/>
+                <a:srgbClr val="080808"/>
               </a:solidFill>
-              <a:effectLst/>
               <a:latin typeface="Courier New" panose="02070309020205020404" pitchFamily="49" charset="0"/>
               <a:cs typeface="Courier New" panose="02070309020205020404" pitchFamily="49" charset="0"/>
             </a:endParaRPr>
+          </a:p>
+          <a:p>
+            <a:pPr lvl="0" eaLnBrk="0" fontAlgn="base" hangingPunct="0">
+              <a:spcBef>
+                <a:spcPct val="0"/>
+              </a:spcBef>
+              <a:spcAft>
+                <a:spcPct val="0"/>
+              </a:spcAft>
+            </a:pPr>
+            <a:r>
+              <a:rPr kumimoji="0" lang="en-US" altLang="en-US" b="0" i="0" u="none" strike="noStrike" cap="none" normalizeH="0" baseline="0" dirty="0">
+                <a:ln>
+                  <a:noFill/>
+                </a:ln>
+                <a:solidFill>
+                  <a:srgbClr val="0033B3"/>
+                </a:solidFill>
+                <a:effectLst/>
+                <a:latin typeface="Courier New" panose="02070309020205020404" pitchFamily="49" charset="0"/>
+                <a:cs typeface="Courier New" panose="02070309020205020404" pitchFamily="49" charset="0"/>
+              </a:rPr>
+              <a:t>int </a:t>
+            </a:r>
+            <a:r>
+              <a:rPr lang="en-US" altLang="en-US" dirty="0">
+                <a:solidFill>
+                  <a:srgbClr val="00627A"/>
+                </a:solidFill>
+                <a:latin typeface="Courier New" panose="02070309020205020404" pitchFamily="49" charset="0"/>
+                <a:cs typeface="Courier New" panose="02070309020205020404" pitchFamily="49" charset="0"/>
+              </a:rPr>
+              <a:t>foo</a:t>
+            </a:r>
+            <a:r>
+              <a:rPr kumimoji="0" lang="en-US" altLang="en-US" b="0" i="0" u="none" strike="noStrike" cap="none" normalizeH="0" baseline="0" dirty="0">
+                <a:ln>
+                  <a:noFill/>
+                </a:ln>
+                <a:solidFill>
+                  <a:srgbClr val="080808"/>
+                </a:solidFill>
+                <a:effectLst/>
+                <a:latin typeface="Courier New" panose="02070309020205020404" pitchFamily="49" charset="0"/>
+                <a:cs typeface="Courier New" panose="02070309020205020404" pitchFamily="49" charset="0"/>
+              </a:rPr>
+              <a:t>(){</a:t>
+            </a:r>
+            <a:br>
+              <a:rPr kumimoji="0" lang="en-US" altLang="en-US" b="0" i="0" u="none" strike="noStrike" cap="none" normalizeH="0" baseline="0" dirty="0">
+                <a:ln>
+                  <a:noFill/>
+                </a:ln>
+                <a:solidFill>
+                  <a:srgbClr val="080808"/>
+                </a:solidFill>
+                <a:effectLst/>
+                <a:latin typeface="Courier New" panose="02070309020205020404" pitchFamily="49" charset="0"/>
+                <a:cs typeface="Courier New" panose="02070309020205020404" pitchFamily="49" charset="0"/>
+              </a:rPr>
+            </a:br>
+            <a:r>
+              <a:rPr kumimoji="0" lang="en-US" altLang="en-US" b="0" i="0" u="none" strike="noStrike" cap="none" normalizeH="0" baseline="0" dirty="0">
+                <a:ln>
+                  <a:noFill/>
+                </a:ln>
+                <a:solidFill>
+                  <a:srgbClr val="080808"/>
+                </a:solidFill>
+                <a:effectLst/>
+                <a:latin typeface="Courier New" panose="02070309020205020404" pitchFamily="49" charset="0"/>
+                <a:cs typeface="Courier New" panose="02070309020205020404" pitchFamily="49" charset="0"/>
+              </a:rPr>
+              <a:t>  </a:t>
+            </a:r>
+            <a:r>
+              <a:rPr kumimoji="0" lang="en-US" altLang="en-US" b="0" i="0" u="none" strike="noStrike" cap="none" normalizeH="0" baseline="0" dirty="0">
+                <a:ln>
+                  <a:noFill/>
+                </a:ln>
+                <a:solidFill>
+                  <a:srgbClr val="000000"/>
+                </a:solidFill>
+                <a:effectLst/>
+                <a:latin typeface="Courier New" panose="02070309020205020404" pitchFamily="49" charset="0"/>
+                <a:cs typeface="Courier New" panose="02070309020205020404" pitchFamily="49" charset="0"/>
+              </a:rPr>
+              <a:t>while(true);</a:t>
+            </a:r>
+          </a:p>
+          <a:p>
+            <a:pPr lvl="0" eaLnBrk="0" fontAlgn="base" hangingPunct="0">
+              <a:spcBef>
+                <a:spcPct val="0"/>
+              </a:spcBef>
+              <a:spcAft>
+                <a:spcPct val="0"/>
+              </a:spcAft>
+            </a:pPr>
+            <a:r>
+              <a:rPr kumimoji="0" lang="en-US" altLang="en-US" b="0" i="0" u="none" strike="noStrike" cap="none" normalizeH="0" baseline="0" dirty="0">
+                <a:ln>
+                  <a:noFill/>
+                </a:ln>
+                <a:solidFill>
+                  <a:srgbClr val="080808"/>
+                </a:solidFill>
+                <a:effectLst/>
+                <a:latin typeface="Courier New" panose="02070309020205020404" pitchFamily="49" charset="0"/>
+                <a:cs typeface="Courier New" panose="02070309020205020404" pitchFamily="49" charset="0"/>
+              </a:rPr>
+              <a:t>}</a:t>
+            </a:r>
           </a:p>
         </p:txBody>
       </p:sp>
@@ -12316,7 +12469,7 @@
         </p:nvSpPr>
         <p:spPr>
           <a:xfrm>
-            <a:off x="5806117" y="2644218"/>
+            <a:off x="5762042" y="2586592"/>
             <a:ext cx="1241109" cy="369332"/>
           </a:xfrm>
           <a:prstGeom prst="rect">
@@ -12464,7 +12617,12 @@
             <p:ph type="title"/>
           </p:nvPr>
         </p:nvSpPr>
-        <p:spPr/>
+        <p:spPr>
+          <a:xfrm>
+            <a:off x="838200" y="338230"/>
+            <a:ext cx="10515600" cy="1325563"/>
+          </a:xfrm>
+        </p:spPr>
         <p:txBody>
           <a:bodyPr/>
           <a:lstStyle/>
@@ -12496,7 +12654,12 @@
             <p:ph idx="1"/>
           </p:nvPr>
         </p:nvSpPr>
-        <p:spPr/>
+        <p:spPr>
+          <a:xfrm>
+            <a:off x="838201" y="1825625"/>
+            <a:ext cx="6064624" cy="4351338"/>
+          </a:xfrm>
+        </p:spPr>
         <p:txBody>
           <a:bodyPr/>
           <a:lstStyle/>
@@ -12556,6 +12719,80 @@
               <a:t>2</a:t>
             </a:fld>
             <a:endParaRPr lang="en-US"/>
+          </a:p>
+        </p:txBody>
+      </p:sp>
+      <p:pic>
+        <p:nvPicPr>
+          <p:cNvPr id="8" name="Picture 7">
+            <a:extLst>
+              <a:ext uri="{FF2B5EF4-FFF2-40B4-BE49-F238E27FC236}">
+                <a16:creationId xmlns:a16="http://schemas.microsoft.com/office/drawing/2014/main" id="{387F1958-DD57-4BF6-94D3-06B3D8C6EB31}"/>
+              </a:ext>
+            </a:extLst>
+          </p:cNvPr>
+          <p:cNvPicPr>
+            <a:picLocks noChangeAspect="1"/>
+          </p:cNvPicPr>
+          <p:nvPr/>
+        </p:nvPicPr>
+        <p:blipFill>
+          <a:blip r:embed="rId2">
+            <a:extLst>
+              <a:ext uri="{28A0092B-C50C-407E-A947-70E740481C1C}">
+                <a14:useLocalDpi xmlns:a14="http://schemas.microsoft.com/office/drawing/2010/main" val="0"/>
+              </a:ext>
+            </a:extLst>
+          </a:blip>
+          <a:stretch>
+            <a:fillRect/>
+          </a:stretch>
+        </p:blipFill>
+        <p:spPr>
+          <a:xfrm>
+            <a:off x="7247963" y="1935209"/>
+            <a:ext cx="4693023" cy="2639826"/>
+          </a:xfrm>
+          <a:prstGeom prst="rect">
+            <a:avLst/>
+          </a:prstGeom>
+        </p:spPr>
+      </p:pic>
+      <p:sp>
+        <p:nvSpPr>
+          <p:cNvPr id="9" name="TextBox 8">
+            <a:extLst>
+              <a:ext uri="{FF2B5EF4-FFF2-40B4-BE49-F238E27FC236}">
+                <a16:creationId xmlns:a16="http://schemas.microsoft.com/office/drawing/2014/main" id="{105677BD-60F1-4136-AEEB-0F59B1384A47}"/>
+              </a:ext>
+            </a:extLst>
+          </p:cNvPr>
+          <p:cNvSpPr txBox="1"/>
+          <p:nvPr/>
+        </p:nvSpPr>
+        <p:spPr>
+          <a:xfrm>
+            <a:off x="8673352" y="4592590"/>
+            <a:ext cx="2243419" cy="275245"/>
+          </a:xfrm>
+          <a:prstGeom prst="rect">
+            <a:avLst/>
+          </a:prstGeom>
+          <a:noFill/>
+        </p:spPr>
+        <p:txBody>
+          <a:bodyPr wrap="square" rtlCol="0">
+            <a:spAutoFit/>
+          </a:bodyPr>
+          <a:lstStyle/>
+          <a:p>
+            <a:r>
+              <a:rPr lang="en-US" sz="1200" dirty="0">
+                <a:hlinkClick r:id="rId3"/>
+              </a:rPr>
+              <a:t>https://snl.no/Mount_Everest</a:t>
+            </a:r>
+            <a:endParaRPr lang="en-US" sz="1200" dirty="0"/>
           </a:p>
         </p:txBody>
       </p:sp>
@@ -12645,7 +12882,7 @@
           <a:p>
             <a:r>
               <a:rPr lang="ru-RU" dirty="0"/>
-              <a:t>Отмена </a:t>
+              <a:t>Отключает </a:t>
             </a:r>
             <a:r>
               <a:rPr lang="en-US" dirty="0"/>
@@ -13501,7 +13738,7 @@
             </a:r>
             <a:r>
               <a:rPr lang="ru-RU" dirty="0"/>
-              <a:t>для </a:t>
+              <a:t>в </a:t>
             </a:r>
             <a:r>
               <a:rPr lang="en-US" dirty="0"/>
@@ -13525,7 +13762,7 @@
             </a:r>
             <a:r>
               <a:rPr lang="en-US" dirty="0"/>
-              <a:t>(precondition assertion)</a:t>
+              <a:t>(precondition assertions)</a:t>
             </a:r>
           </a:p>
           <a:p>
@@ -13894,371 +14131,6 @@
 </p:sld>
 </file>
 
-<file path=ppt/slides/slide23.xml><?xml version="1.0" encoding="utf-8"?>
-<p:sld xmlns:a="http://schemas.openxmlformats.org/drawingml/2006/main" xmlns:r="http://schemas.openxmlformats.org/officeDocument/2006/relationships" xmlns:p="http://schemas.openxmlformats.org/presentationml/2006/main">
-  <p:cSld>
-    <p:spTree>
-      <p:nvGrpSpPr>
-        <p:cNvPr id="1" name=""/>
-        <p:cNvGrpSpPr/>
-        <p:nvPr/>
-      </p:nvGrpSpPr>
-      <p:grpSpPr>
-        <a:xfrm>
-          <a:off x="0" y="0"/>
-          <a:ext cx="0" cy="0"/>
-          <a:chOff x="0" y="0"/>
-          <a:chExt cx="0" cy="0"/>
-        </a:xfrm>
-      </p:grpSpPr>
-      <p:sp>
-        <p:nvSpPr>
-          <p:cNvPr id="2" name="Title 1">
-            <a:extLst>
-              <a:ext uri="{FF2B5EF4-FFF2-40B4-BE49-F238E27FC236}">
-                <a16:creationId xmlns:a16="http://schemas.microsoft.com/office/drawing/2014/main" id="{7029BB82-53F4-4FD6-B227-B896F8627AAB}"/>
-              </a:ext>
-            </a:extLst>
-          </p:cNvPr>
-          <p:cNvSpPr>
-            <a:spLocks noGrp="1"/>
-          </p:cNvSpPr>
-          <p:nvPr>
-            <p:ph type="title"/>
-          </p:nvPr>
-        </p:nvSpPr>
-        <p:spPr/>
-        <p:txBody>
-          <a:bodyPr/>
-          <a:lstStyle/>
-          <a:p>
-            <a:r>
-              <a:rPr lang="ru-RU" dirty="0"/>
-              <a:t>Заключение</a:t>
-            </a:r>
-            <a:endParaRPr lang="en-US" dirty="0"/>
-          </a:p>
-        </p:txBody>
-      </p:sp>
-      <p:sp>
-        <p:nvSpPr>
-          <p:cNvPr id="3" name="Text Placeholder 2">
-            <a:extLst>
-              <a:ext uri="{FF2B5EF4-FFF2-40B4-BE49-F238E27FC236}">
-                <a16:creationId xmlns:a16="http://schemas.microsoft.com/office/drawing/2014/main" id="{6E3A239E-AD12-4BCD-B35E-7A9F2A051B0E}"/>
-              </a:ext>
-            </a:extLst>
-          </p:cNvPr>
-          <p:cNvSpPr>
-            <a:spLocks noGrp="1"/>
-          </p:cNvSpPr>
-          <p:nvPr>
-            <p:ph type="body" idx="1"/>
-          </p:nvPr>
-        </p:nvSpPr>
-        <p:spPr/>
-        <p:txBody>
-          <a:bodyPr/>
-          <a:lstStyle/>
-          <a:p>
-            <a:endParaRPr lang="en-US"/>
-          </a:p>
-        </p:txBody>
-      </p:sp>
-      <p:sp>
-        <p:nvSpPr>
-          <p:cNvPr id="4" name="Slide Number Placeholder 3">
-            <a:extLst>
-              <a:ext uri="{FF2B5EF4-FFF2-40B4-BE49-F238E27FC236}">
-                <a16:creationId xmlns:a16="http://schemas.microsoft.com/office/drawing/2014/main" id="{FC6BA704-871B-4082-ADC3-62795E10D9E8}"/>
-              </a:ext>
-            </a:extLst>
-          </p:cNvPr>
-          <p:cNvSpPr>
-            <a:spLocks noGrp="1"/>
-          </p:cNvSpPr>
-          <p:nvPr>
-            <p:ph type="sldNum" sz="quarter" idx="12"/>
-          </p:nvPr>
-        </p:nvSpPr>
-        <p:spPr/>
-        <p:txBody>
-          <a:bodyPr/>
-          <a:lstStyle/>
-          <a:p>
-            <a:fld id="{C4166A4A-BC63-4E3E-8737-A1316BCBB6DC}" type="slidenum">
-              <a:rPr lang="en-US" smtClean="0"/>
-              <a:t>23</a:t>
-            </a:fld>
-            <a:endParaRPr lang="en-US"/>
-          </a:p>
-        </p:txBody>
-      </p:sp>
-    </p:spTree>
-    <p:extLst>
-      <p:ext uri="{BB962C8B-B14F-4D97-AF65-F5344CB8AC3E}">
-        <p14:creationId xmlns:p14="http://schemas.microsoft.com/office/powerpoint/2010/main" val="1456132501"/>
-      </p:ext>
-    </p:extLst>
-  </p:cSld>
-  <p:clrMapOvr>
-    <a:masterClrMapping/>
-  </p:clrMapOvr>
-</p:sld>
-</file>
-
-<file path=ppt/slides/slide24.xml><?xml version="1.0" encoding="utf-8"?>
-<p:sld xmlns:a="http://schemas.openxmlformats.org/drawingml/2006/main" xmlns:r="http://schemas.openxmlformats.org/officeDocument/2006/relationships" xmlns:p="http://schemas.openxmlformats.org/presentationml/2006/main">
-  <p:cSld>
-    <p:spTree>
-      <p:nvGrpSpPr>
-        <p:cNvPr id="1" name=""/>
-        <p:cNvGrpSpPr/>
-        <p:nvPr/>
-      </p:nvGrpSpPr>
-      <p:grpSpPr>
-        <a:xfrm>
-          <a:off x="0" y="0"/>
-          <a:ext cx="0" cy="0"/>
-          <a:chOff x="0" y="0"/>
-          <a:chExt cx="0" cy="0"/>
-        </a:xfrm>
-      </p:grpSpPr>
-      <p:sp>
-        <p:nvSpPr>
-          <p:cNvPr id="2" name="Title 1">
-            <a:extLst>
-              <a:ext uri="{FF2B5EF4-FFF2-40B4-BE49-F238E27FC236}">
-                <a16:creationId xmlns:a16="http://schemas.microsoft.com/office/drawing/2014/main" id="{76D95E12-9E9C-443F-8963-97370016A706}"/>
-              </a:ext>
-            </a:extLst>
-          </p:cNvPr>
-          <p:cNvSpPr>
-            <a:spLocks noGrp="1"/>
-          </p:cNvSpPr>
-          <p:nvPr>
-            <p:ph type="title"/>
-          </p:nvPr>
-        </p:nvSpPr>
-        <p:spPr/>
-        <p:txBody>
-          <a:bodyPr/>
-          <a:lstStyle/>
-          <a:p>
-            <a:r>
-              <a:rPr lang="ru-RU" dirty="0"/>
-              <a:t>Джентельменский набор</a:t>
-            </a:r>
-            <a:endParaRPr lang="en-US" dirty="0"/>
-          </a:p>
-        </p:txBody>
-      </p:sp>
-      <p:sp>
-        <p:nvSpPr>
-          <p:cNvPr id="3" name="Content Placeholder 2">
-            <a:extLst>
-              <a:ext uri="{FF2B5EF4-FFF2-40B4-BE49-F238E27FC236}">
-                <a16:creationId xmlns:a16="http://schemas.microsoft.com/office/drawing/2014/main" id="{DCF3428E-C04D-4DE8-A4B8-60C5E7203274}"/>
-              </a:ext>
-            </a:extLst>
-          </p:cNvPr>
-          <p:cNvSpPr>
-            <a:spLocks noGrp="1"/>
-          </p:cNvSpPr>
-          <p:nvPr>
-            <p:ph idx="1"/>
-          </p:nvPr>
-        </p:nvSpPr>
-        <p:spPr/>
-        <p:txBody>
-          <a:bodyPr/>
-          <a:lstStyle/>
-          <a:p>
-            <a:r>
-              <a:rPr lang="en-US" dirty="0"/>
-              <a:t>ASLR (-</a:t>
-            </a:r>
-            <a:r>
-              <a:rPr lang="en-US" dirty="0" err="1"/>
-              <a:t>fpie</a:t>
-            </a:r>
-            <a:r>
-              <a:rPr lang="en-US" dirty="0"/>
-              <a:t>)</a:t>
-            </a:r>
-            <a:endParaRPr lang="ru-RU" dirty="0"/>
-          </a:p>
-          <a:p>
-            <a:r>
-              <a:rPr lang="en-US" dirty="0"/>
-              <a:t>Stack Protector (-</a:t>
-            </a:r>
-            <a:r>
-              <a:rPr lang="en-US" dirty="0" err="1"/>
-              <a:t>fstack</a:t>
-            </a:r>
-            <a:r>
-              <a:rPr lang="en-US" dirty="0"/>
-              <a:t>-protector-strong)</a:t>
-            </a:r>
-          </a:p>
-          <a:p>
-            <a:r>
-              <a:rPr lang="ru-RU" dirty="0"/>
-              <a:t>Фортификация (-</a:t>
-            </a:r>
-            <a:r>
-              <a:rPr lang="en-US" dirty="0"/>
-              <a:t>D_FORTIFY_SOURCE=3)</a:t>
-            </a:r>
-          </a:p>
-          <a:p>
-            <a:r>
-              <a:rPr lang="en-US" dirty="0"/>
-              <a:t>Full RELRO (-</a:t>
-            </a:r>
-            <a:r>
-              <a:rPr lang="en-US" dirty="0" err="1"/>
-              <a:t>Wl</a:t>
-            </a:r>
-            <a:r>
-              <a:rPr lang="en-US" dirty="0"/>
-              <a:t>,-</a:t>
-            </a:r>
-            <a:r>
-              <a:rPr lang="en-US" dirty="0" err="1"/>
-              <a:t>z,relro</a:t>
-            </a:r>
-            <a:r>
-              <a:rPr lang="en-US" dirty="0"/>
-              <a:t> -</a:t>
-            </a:r>
-            <a:r>
-              <a:rPr lang="en-US" dirty="0" err="1"/>
-              <a:t>Wl</a:t>
-            </a:r>
-            <a:r>
-              <a:rPr lang="en-US" dirty="0"/>
-              <a:t>,-</a:t>
-            </a:r>
-            <a:r>
-              <a:rPr lang="en-US" dirty="0" err="1"/>
-              <a:t>z,now</a:t>
-            </a:r>
-            <a:r>
-              <a:rPr lang="en-US" dirty="0"/>
-              <a:t>)</a:t>
-            </a:r>
-          </a:p>
-          <a:p>
-            <a:r>
-              <a:rPr lang="ru-RU" dirty="0"/>
-              <a:t>Защита от </a:t>
-            </a:r>
-            <a:r>
-              <a:rPr lang="en-US" dirty="0"/>
-              <a:t>Stack Clash</a:t>
-            </a:r>
-            <a:r>
-              <a:rPr lang="ru-RU" dirty="0"/>
-              <a:t> </a:t>
-            </a:r>
-            <a:r>
-              <a:rPr lang="en-US" dirty="0"/>
-              <a:t>(-</a:t>
-            </a:r>
-            <a:r>
-              <a:rPr lang="en-US" dirty="0" err="1"/>
-              <a:t>fstack</a:t>
-            </a:r>
-            <a:r>
-              <a:rPr lang="en-US" dirty="0"/>
-              <a:t>-clash-protection)</a:t>
-            </a:r>
-            <a:endParaRPr lang="ru-RU" dirty="0"/>
-          </a:p>
-          <a:p>
-            <a:r>
-              <a:rPr lang="en-US" dirty="0"/>
-              <a:t>Control-flow Integrity (-</a:t>
-            </a:r>
-            <a:r>
-              <a:rPr lang="en-US" dirty="0" err="1"/>
-              <a:t>fcf</a:t>
-            </a:r>
-            <a:r>
-              <a:rPr lang="en-US" dirty="0"/>
-              <a:t>-protection </a:t>
-            </a:r>
-            <a:r>
-              <a:rPr lang="ru-RU" dirty="0"/>
-              <a:t>на </a:t>
-            </a:r>
-            <a:r>
-              <a:rPr lang="en-US" dirty="0"/>
-              <a:t>X86, -</a:t>
-            </a:r>
-            <a:r>
-              <a:rPr lang="en-US" dirty="0" err="1"/>
-              <a:t>mbranch</a:t>
-            </a:r>
-            <a:r>
-              <a:rPr lang="en-US" dirty="0"/>
-              <a:t>-protection </a:t>
-            </a:r>
-            <a:r>
-              <a:rPr lang="ru-RU" dirty="0"/>
-              <a:t>на </a:t>
-            </a:r>
-            <a:r>
-              <a:rPr lang="en-US" dirty="0"/>
-              <a:t>AArch64)</a:t>
-            </a:r>
-          </a:p>
-        </p:txBody>
-      </p:sp>
-      <p:sp>
-        <p:nvSpPr>
-          <p:cNvPr id="4" name="Slide Number Placeholder 3">
-            <a:extLst>
-              <a:ext uri="{FF2B5EF4-FFF2-40B4-BE49-F238E27FC236}">
-                <a16:creationId xmlns:a16="http://schemas.microsoft.com/office/drawing/2014/main" id="{BF45DC3E-752F-4191-9D7C-BE076D914A16}"/>
-              </a:ext>
-            </a:extLst>
-          </p:cNvPr>
-          <p:cNvSpPr>
-            <a:spLocks noGrp="1"/>
-          </p:cNvSpPr>
-          <p:nvPr>
-            <p:ph type="sldNum" sz="quarter" idx="12"/>
-          </p:nvPr>
-        </p:nvSpPr>
-        <p:spPr/>
-        <p:txBody>
-          <a:bodyPr/>
-          <a:lstStyle/>
-          <a:p>
-            <a:fld id="{C4166A4A-BC63-4E3E-8737-A1316BCBB6DC}" type="slidenum">
-              <a:rPr lang="en-US" smtClean="0"/>
-              <a:t>24</a:t>
-            </a:fld>
-            <a:endParaRPr lang="en-US"/>
-          </a:p>
-        </p:txBody>
-      </p:sp>
-    </p:spTree>
-    <p:extLst>
-      <p:ext uri="{BB962C8B-B14F-4D97-AF65-F5344CB8AC3E}">
-        <p14:creationId xmlns:p14="http://schemas.microsoft.com/office/powerpoint/2010/main" val="345651356"/>
-      </p:ext>
-    </p:extLst>
-  </p:cSld>
-  <p:clrMapOvr>
-    <a:masterClrMapping/>
-  </p:clrMapOvr>
-</p:sld>
-</file>
-
 <file path=ppt/slides/slide3.xml><?xml version="1.0" encoding="utf-8"?>
 <p:sld xmlns:a="http://schemas.openxmlformats.org/drawingml/2006/main" xmlns:r="http://schemas.openxmlformats.org/officeDocument/2006/relationships" xmlns:p="http://schemas.openxmlformats.org/presentationml/2006/main">
   <p:cSld>
@@ -14822,6 +14694,11 @@
               <a:rPr lang="ru-RU" dirty="0"/>
               <a:t>Разработки</a:t>
             </a:r>
+            <a:r>
+              <a:rPr lang="en-US" dirty="0"/>
+              <a:t> (secure development process)</a:t>
+            </a:r>
+            <a:endParaRPr lang="ru-RU" dirty="0"/>
           </a:p>
           <a:p>
             <a:pPr lvl="1"/>
@@ -14831,7 +14708,15 @@
             </a:r>
             <a:r>
               <a:rPr lang="en-US" dirty="0"/>
-              <a:t> (strip and hide symbols)</a:t>
+              <a:t> (</a:t>
+            </a:r>
+            <a:r>
+              <a:rPr lang="ru-RU" dirty="0"/>
+              <a:t>удаление и сокрытие символов библиотек</a:t>
+            </a:r>
+            <a:r>
+              <a:rPr lang="en-US" dirty="0"/>
+              <a:t>)</a:t>
             </a:r>
             <a:endParaRPr lang="ru-RU" dirty="0"/>
           </a:p>
@@ -14839,7 +14724,7 @@
             <a:pPr lvl="1"/>
             <a:r>
               <a:rPr lang="ru-RU" dirty="0"/>
-              <a:t>Выполнения (компилятор, библиотеки, ядро)</a:t>
+              <a:t>Выполнения (защиты в компиляторе, библиотеке, ядре)</a:t>
             </a:r>
             <a:endParaRPr lang="en-US" dirty="0"/>
           </a:p>
@@ -14990,7 +14875,7 @@
             <a:pPr lvl="1"/>
             <a:r>
               <a:rPr lang="ru-RU" dirty="0"/>
-              <a:t>Могут легко сфальсифицироваться при отсутствии контроля</a:t>
+              <a:t>Могут легко фальсифицироваться при отсутствии контроля</a:t>
             </a:r>
             <a:r>
               <a:rPr lang="en-US" dirty="0"/>
@@ -15000,7 +14885,7 @@
           <a:p>
             <a:r>
               <a:rPr lang="ru-RU" dirty="0"/>
-              <a:t>Ограничение на использование небезопасных функций</a:t>
+              <a:t>Ограничения на использование небезопасных функций</a:t>
             </a:r>
           </a:p>
           <a:p>
@@ -15076,7 +14961,15 @@
             </a:r>
             <a:r>
               <a:rPr lang="en-US" dirty="0"/>
-              <a:t>=2</a:t>
+              <a:t> -</a:t>
+            </a:r>
+            <a:r>
+              <a:rPr lang="en-US" dirty="0" err="1"/>
+              <a:t>Wsign</a:t>
+            </a:r>
+            <a:r>
+              <a:rPr lang="en-US" dirty="0"/>
+              <a:t>-conversion</a:t>
             </a:r>
             <a:endParaRPr lang="ru-RU" dirty="0"/>
           </a:p>
@@ -15088,14 +14981,18 @@
             </a:r>
             <a:r>
               <a:rPr lang="en-US" dirty="0"/>
-              <a:t>clang-static-analyzer, clang-tidy, etc.</a:t>
+              <a:t>Clang Static Analyzer, Clang-Tidy, etc.</a:t>
             </a:r>
             <a:endParaRPr lang="ru-RU" dirty="0"/>
           </a:p>
           <a:p>
             <a:r>
-              <a:rPr lang="en-US" dirty="0" err="1"/>
-              <a:t>DbC</a:t>
+              <a:rPr lang="ru-RU" dirty="0"/>
+              <a:t>Проверки спецификаций (</a:t>
+            </a:r>
+            <a:r>
+              <a:rPr lang="en-US" dirty="0"/>
+              <a:t>Design-by-Contract)</a:t>
             </a:r>
             <a:endParaRPr lang="ru-RU" dirty="0"/>
           </a:p>
@@ -15107,7 +15004,7 @@
             </a:r>
             <a:r>
               <a:rPr lang="ru-RU" dirty="0"/>
-              <a:t>Контракты</a:t>
+              <a:t>контракты</a:t>
             </a:r>
             <a:endParaRPr lang="en-US" dirty="0"/>
           </a:p>
@@ -15242,14 +15139,30 @@
           <a:p>
             <a:r>
               <a:rPr lang="ru-RU" dirty="0"/>
-              <a:t>Рассматриваем только рантайм проверки</a:t>
+              <a:t>В </a:t>
+            </a:r>
+            <a:r>
+              <a:rPr lang="ru-RU" i="1" dirty="0"/>
+              <a:t>этом </a:t>
+            </a:r>
+            <a:r>
+              <a:rPr lang="ru-RU" dirty="0"/>
+              <a:t>докладе рассматриваем только рантайм</a:t>
+            </a:r>
+            <a:r>
+              <a:rPr lang="en-US" dirty="0"/>
+              <a:t>-</a:t>
+            </a:r>
+            <a:r>
+              <a:rPr lang="ru-RU" dirty="0"/>
+              <a:t>проверки</a:t>
             </a:r>
           </a:p>
           <a:p>
             <a:pPr lvl="1"/>
             <a:r>
               <a:rPr lang="ru-RU" dirty="0"/>
-              <a:t>компилятор и библиотека</a:t>
+              <a:t>Компилятор и библиотека</a:t>
             </a:r>
             <a:endParaRPr lang="en-US" dirty="0"/>
           </a:p>
@@ -15507,7 +15420,7 @@
             </a:r>
             <a:r>
               <a:rPr lang="en-US" dirty="0"/>
-              <a:t>false positive</a:t>
+              <a:t>false positives</a:t>
             </a:r>
           </a:p>
           <a:p>

--- a/CppZeroCost/2025/Rusyaev/hardening_v2.pptx
+++ b/CppZeroCost/2025/Rusyaev/hardening_v2.pptx
@@ -218,7 +218,7 @@
           <a:p>
             <a:fld id="{B3A181C1-6E97-4BE6-8215-A9B1FC52F0EE}" type="datetimeFigureOut">
               <a:rPr lang="en-US" smtClean="0"/>
-              <a:t>7/25/2025</a:t>
+              <a:t>7/26/2025</a:t>
             </a:fld>
             <a:endParaRPr lang="en-US"/>
           </a:p>
@@ -632,7 +632,7 @@
           <a:p>
             <a:fld id="{DB282448-DDD2-4853-893C-6DF82EB5924F}" type="datetime1">
               <a:rPr lang="en-US" smtClean="0"/>
-              <a:t>7/25/2025</a:t>
+              <a:t>7/26/2025</a:t>
             </a:fld>
             <a:endParaRPr lang="en-US"/>
           </a:p>
@@ -830,7 +830,7 @@
           <a:p>
             <a:fld id="{DE0F2FBB-F13E-450A-90B5-B087370EF89A}" type="datetime1">
               <a:rPr lang="en-US" smtClean="0"/>
-              <a:t>7/25/2025</a:t>
+              <a:t>7/26/2025</a:t>
             </a:fld>
             <a:endParaRPr lang="en-US"/>
           </a:p>
@@ -1038,7 +1038,7 @@
           <a:p>
             <a:fld id="{4AE13B89-2241-4149-9A9A-9948DC822C43}" type="datetime1">
               <a:rPr lang="en-US" smtClean="0"/>
-              <a:t>7/25/2025</a:t>
+              <a:t>7/26/2025</a:t>
             </a:fld>
             <a:endParaRPr lang="en-US"/>
           </a:p>
@@ -1236,7 +1236,7 @@
           <a:p>
             <a:fld id="{676FB157-DFF9-4E1D-BAF0-003438369DA9}" type="datetime1">
               <a:rPr lang="en-US" smtClean="0"/>
-              <a:t>7/25/2025</a:t>
+              <a:t>7/26/2025</a:t>
             </a:fld>
             <a:endParaRPr lang="en-US"/>
           </a:p>
@@ -1511,7 +1511,7 @@
           <a:p>
             <a:fld id="{1FE30C9E-D8EA-4B53-A78F-B3F8A97EC057}" type="datetime1">
               <a:rPr lang="en-US" smtClean="0"/>
-              <a:t>7/25/2025</a:t>
+              <a:t>7/26/2025</a:t>
             </a:fld>
             <a:endParaRPr lang="en-US"/>
           </a:p>
@@ -1776,7 +1776,7 @@
           <a:p>
             <a:fld id="{FF351BE1-8762-4087-9829-B6EBFD091377}" type="datetime1">
               <a:rPr lang="en-US" smtClean="0"/>
-              <a:t>7/25/2025</a:t>
+              <a:t>7/26/2025</a:t>
             </a:fld>
             <a:endParaRPr lang="en-US"/>
           </a:p>
@@ -2188,7 +2188,7 @@
           <a:p>
             <a:fld id="{211FB94F-0E9D-4075-8061-677D93761C98}" type="datetime1">
               <a:rPr lang="en-US" smtClean="0"/>
-              <a:t>7/25/2025</a:t>
+              <a:t>7/26/2025</a:t>
             </a:fld>
             <a:endParaRPr lang="en-US"/>
           </a:p>
@@ -2329,7 +2329,7 @@
           <a:p>
             <a:fld id="{5820D910-2677-418A-92CB-602EEA440209}" type="datetime1">
               <a:rPr lang="en-US" smtClean="0"/>
-              <a:t>7/25/2025</a:t>
+              <a:t>7/26/2025</a:t>
             </a:fld>
             <a:endParaRPr lang="en-US"/>
           </a:p>
@@ -2442,7 +2442,7 @@
           <a:p>
             <a:fld id="{78991DED-696E-498A-AB42-E18174F7D44D}" type="datetime1">
               <a:rPr lang="en-US" smtClean="0"/>
-              <a:t>7/25/2025</a:t>
+              <a:t>7/26/2025</a:t>
             </a:fld>
             <a:endParaRPr lang="en-US"/>
           </a:p>
@@ -2753,7 +2753,7 @@
           <a:p>
             <a:fld id="{FB6FEAC6-B1CA-4E34-BA79-4D6D3896D8ED}" type="datetime1">
               <a:rPr lang="en-US" smtClean="0"/>
-              <a:t>7/25/2025</a:t>
+              <a:t>7/26/2025</a:t>
             </a:fld>
             <a:endParaRPr lang="en-US"/>
           </a:p>
@@ -3041,7 +3041,7 @@
           <a:p>
             <a:fld id="{EA9D6606-8E3E-4CA6-A816-AFCD0B734DA0}" type="datetime1">
               <a:rPr lang="en-US" smtClean="0"/>
-              <a:t>7/25/2025</a:t>
+              <a:t>7/26/2025</a:t>
             </a:fld>
             <a:endParaRPr lang="en-US"/>
           </a:p>
@@ -3282,7 +3282,7 @@
           <a:p>
             <a:fld id="{04545AAF-DF3E-4239-9B6E-980D1D6A0D6E}" type="datetime1">
               <a:rPr lang="en-US" smtClean="0"/>
-              <a:t>7/25/2025</a:t>
+              <a:t>7/26/2025</a:t>
             </a:fld>
             <a:endParaRPr lang="en-US"/>
           </a:p>
@@ -11394,10 +11394,7 @@
               <a:rPr lang="en-US" dirty="0" err="1"/>
               <a:t>init</a:t>
             </a:r>
-            <a:r>
-              <a:rPr lang="en-US" dirty="0"/>
-              <a:t>=</a:t>
-            </a:r>
+            <a:endParaRPr lang="en-US" dirty="0"/>
           </a:p>
         </p:txBody>
       </p:sp>
@@ -12918,6 +12915,15 @@
             </a:r>
             <a:endParaRPr lang="en-US" dirty="0"/>
           </a:p>
+          <a:p>
+            <a:r>
+              <a:rPr lang="ru-RU" dirty="0"/>
+              <a:t>Используется для оптимизации</a:t>
+            </a:r>
+          </a:p>
+          <a:p>
+            <a:endParaRPr lang="en-US" dirty="0"/>
+          </a:p>
         </p:txBody>
       </p:sp>
       <p:sp>
@@ -12936,7 +12942,7 @@
         </p:nvSpPr>
         <p:spPr bwMode="auto">
           <a:xfrm>
-            <a:off x="1115735" y="3141801"/>
+            <a:off x="1214347" y="3404335"/>
             <a:ext cx="10050012" cy="2862322"/>
           </a:xfrm>
           <a:prstGeom prst="rect">
@@ -13928,26 +13934,14 @@
           <a:p>
             <a:r>
               <a:rPr lang="ru-RU" dirty="0"/>
-              <a:t>Запрет небезопасных или непроверяемых конструкций языка</a:t>
+              <a:t>Подмножества языка</a:t>
             </a:r>
           </a:p>
           <a:p>
             <a:pPr lvl="1"/>
             <a:r>
               <a:rPr lang="ru-RU" dirty="0"/>
-              <a:t>Например замена </a:t>
-            </a:r>
-            <a:r>
-              <a:rPr lang="en-US" dirty="0"/>
-              <a:t>raw pointers </a:t>
-            </a:r>
-            <a:r>
-              <a:rPr lang="ru-RU" dirty="0"/>
-              <a:t>на </a:t>
-            </a:r>
-            <a:r>
-              <a:rPr lang="en-US" dirty="0"/>
-              <a:t>std::span</a:t>
+              <a:t>Запрет небезопасных или непроверяемых конструкций</a:t>
             </a:r>
           </a:p>
           <a:p>
@@ -14110,7 +14104,7 @@
         </p:blipFill>
         <p:spPr>
           <a:xfrm>
-            <a:off x="6806619" y="2622417"/>
+            <a:off x="6797655" y="2864464"/>
             <a:ext cx="5256128" cy="2959803"/>
           </a:xfrm>
           <a:prstGeom prst="rect">
@@ -14195,7 +14189,9 @@
         </p:nvSpPr>
         <p:spPr/>
         <p:txBody>
-          <a:bodyPr/>
+          <a:bodyPr>
+            <a:normAutofit fontScale="92500" lnSpcReduction="10000"/>
+          </a:bodyPr>
           <a:lstStyle/>
           <a:p>
             <a:r>
@@ -14210,54 +14206,111 @@
           <a:p>
             <a:pPr lvl="1"/>
             <a:r>
+              <a:rPr lang="ru-RU" dirty="0"/>
+              <a:t>Лидирующие позиции в рейтинге наиболее опасных уязвимостей</a:t>
+            </a:r>
+            <a:endParaRPr lang="en-US" dirty="0"/>
+          </a:p>
+          <a:p>
+            <a:pPr lvl="2"/>
+            <a:r>
+              <a:rPr lang="en-US" dirty="0" err="1">
+                <a:hlinkClick r:id="rId2"/>
+              </a:rPr>
+              <a:t>Mitre</a:t>
+            </a:r>
+            <a:r>
+              <a:rPr lang="en-US" dirty="0">
+                <a:hlinkClick r:id="rId2"/>
+              </a:rPr>
+              <a:t> CWE Top 25 2024</a:t>
+            </a:r>
+            <a:r>
+              <a:rPr lang="en-US" dirty="0"/>
+              <a:t> (</a:t>
+            </a:r>
+            <a:r>
+              <a:rPr lang="ru-RU" dirty="0"/>
+              <a:t>места 2, 6, 8, 20</a:t>
+            </a:r>
+            <a:r>
+              <a:rPr lang="en-US" dirty="0"/>
+              <a:t>, 21)</a:t>
+            </a:r>
+            <a:endParaRPr lang="ru-RU" dirty="0"/>
+          </a:p>
+          <a:p>
+            <a:pPr lvl="1"/>
+            <a:r>
+              <a:rPr lang="ru-RU" dirty="0"/>
+              <a:t>70% уязвимостей в продуктах </a:t>
+            </a:r>
+            <a:r>
+              <a:rPr lang="en-US" dirty="0"/>
+              <a:t>Microsoft - </a:t>
+            </a:r>
+            <a:r>
+              <a:rPr lang="ru-RU" dirty="0"/>
+              <a:t>ошибки памяти</a:t>
+            </a:r>
+            <a:endParaRPr lang="en-US" dirty="0"/>
+          </a:p>
+          <a:p>
+            <a:pPr lvl="2"/>
+            <a:r>
+              <a:rPr lang="en-US" dirty="0">
+                <a:hlinkClick r:id="rId3"/>
+              </a:rPr>
+              <a:t>MSRC Blog: A proactive approach to more secure code</a:t>
+            </a:r>
+            <a:endParaRPr lang="en-US" dirty="0"/>
+          </a:p>
+          <a:p>
+            <a:pPr lvl="1"/>
+            <a:r>
+              <a:rPr lang="en-US" dirty="0"/>
+              <a:t>70% high/critical </a:t>
+            </a:r>
+            <a:r>
+              <a:rPr lang="ru-RU" dirty="0"/>
+              <a:t>багов в </a:t>
+            </a:r>
+            <a:r>
+              <a:rPr lang="en-US" dirty="0"/>
+              <a:t>Chromium – </a:t>
+            </a:r>
+            <a:r>
+              <a:rPr lang="ru-RU" dirty="0"/>
+              <a:t>ошибки</a:t>
+            </a:r>
+            <a:r>
+              <a:rPr lang="en-US" dirty="0"/>
+              <a:t> </a:t>
+            </a:r>
+            <a:r>
+              <a:rPr lang="ru-RU" dirty="0"/>
+              <a:t>памяти</a:t>
+            </a:r>
+            <a:endParaRPr lang="en-US" dirty="0"/>
+          </a:p>
+          <a:p>
+            <a:pPr lvl="2"/>
+            <a:r>
+              <a:rPr lang="en-US" dirty="0">
+                <a:hlinkClick r:id="rId4"/>
+              </a:rPr>
+              <a:t>Chromium Security: Memory Safety</a:t>
+            </a:r>
+            <a:endParaRPr lang="en-US" dirty="0"/>
+          </a:p>
+          <a:p>
+            <a:pPr lvl="1"/>
+            <a:r>
               <a:rPr lang="en-US" dirty="0"/>
               <a:t>70% </a:t>
             </a:r>
             <a:r>
               <a:rPr lang="ru-RU" dirty="0"/>
-              <a:t>ошибок в </a:t>
-            </a:r>
-            <a:r>
-              <a:rPr lang="en-US" dirty="0"/>
-              <a:t>Microsoft </a:t>
-            </a:r>
-            <a:r>
-              <a:rPr lang="ru-RU" dirty="0"/>
-              <a:t>и </a:t>
-            </a:r>
-            <a:r>
-              <a:rPr lang="en-US" dirty="0"/>
-              <a:t>Google</a:t>
-            </a:r>
-            <a:r>
-              <a:rPr lang="ru-RU" dirty="0"/>
-              <a:t> </a:t>
-            </a:r>
-            <a:r>
-              <a:rPr lang="en-US" dirty="0"/>
-              <a:t>Chrome</a:t>
-            </a:r>
-            <a:r>
-              <a:rPr lang="ru-RU" dirty="0"/>
-              <a:t> </a:t>
-            </a:r>
-            <a:r>
-              <a:rPr lang="en-US" dirty="0"/>
-              <a:t> – </a:t>
-            </a:r>
-            <a:r>
-              <a:rPr lang="ru-RU" dirty="0"/>
-              <a:t>ошибки памяти</a:t>
-            </a:r>
-          </a:p>
-          <a:p>
-            <a:pPr lvl="1"/>
-            <a:r>
-              <a:rPr lang="en-US" dirty="0"/>
-              <a:t>70% </a:t>
-            </a:r>
-            <a:r>
-              <a:rPr lang="ru-RU" dirty="0"/>
               <a:t>ошибок</a:t>
             </a:r>
             <a:r>
@@ -14276,6 +14329,17 @@
               <a:rPr lang="ru-RU" dirty="0"/>
               <a:t>уязвимости</a:t>
             </a:r>
+            <a:endParaRPr lang="en-US" dirty="0"/>
+          </a:p>
+          <a:p>
+            <a:pPr lvl="2"/>
+            <a:r>
+              <a:rPr lang="en-US" dirty="0">
+                <a:hlinkClick r:id="rId5" action="ppaction://hlinkfile"/>
+              </a:rPr>
+              <a:t>Improving Memory Safety without a Trillion Dollars</a:t>
+            </a:r>
+            <a:endParaRPr lang="ru-RU" dirty="0"/>
           </a:p>
           <a:p>
             <a:pPr lvl="1"/>
@@ -14289,15 +14353,7 @@
             <a:pPr lvl="1"/>
             <a:r>
               <a:rPr lang="ru-RU" dirty="0"/>
-              <a:t>Гос. заказчики различных стран рекомендуют использовать </a:t>
-            </a:r>
-            <a:r>
-              <a:rPr lang="en-US" dirty="0"/>
-              <a:t>hardening </a:t>
-            </a:r>
-            <a:r>
-              <a:rPr lang="ru-RU" dirty="0"/>
-              <a:t>или безопасных языков</a:t>
+              <a:t>Госзаказчики в различных странах рекомендуют использование безопасных языков</a:t>
             </a:r>
           </a:p>
           <a:p>
@@ -14481,6 +14537,80 @@
               <a:t>4</a:t>
             </a:fld>
             <a:endParaRPr lang="en-US"/>
+          </a:p>
+        </p:txBody>
+      </p:sp>
+      <p:pic>
+        <p:nvPicPr>
+          <p:cNvPr id="8" name="Picture 7">
+            <a:extLst>
+              <a:ext uri="{FF2B5EF4-FFF2-40B4-BE49-F238E27FC236}">
+                <a16:creationId xmlns:a16="http://schemas.microsoft.com/office/drawing/2014/main" id="{341DA82F-3F11-4673-96FB-674F3425E3B1}"/>
+              </a:ext>
+            </a:extLst>
+          </p:cNvPr>
+          <p:cNvPicPr>
+            <a:picLocks noChangeAspect="1"/>
+          </p:cNvPicPr>
+          <p:nvPr/>
+        </p:nvPicPr>
+        <p:blipFill>
+          <a:blip r:embed="rId2">
+            <a:extLst>
+              <a:ext uri="{28A0092B-C50C-407E-A947-70E740481C1C}">
+                <a14:useLocalDpi xmlns:a14="http://schemas.microsoft.com/office/drawing/2010/main" val="0"/>
+              </a:ext>
+            </a:extLst>
+          </a:blip>
+          <a:stretch>
+            <a:fillRect/>
+          </a:stretch>
+        </p:blipFill>
+        <p:spPr>
+          <a:xfrm>
+            <a:off x="7252446" y="1206679"/>
+            <a:ext cx="4383742" cy="2080565"/>
+          </a:xfrm>
+          <a:prstGeom prst="rect">
+            <a:avLst/>
+          </a:prstGeom>
+        </p:spPr>
+      </p:pic>
+      <p:sp>
+        <p:nvSpPr>
+          <p:cNvPr id="9" name="TextBox 8">
+            <a:extLst>
+              <a:ext uri="{FF2B5EF4-FFF2-40B4-BE49-F238E27FC236}">
+                <a16:creationId xmlns:a16="http://schemas.microsoft.com/office/drawing/2014/main" id="{E89CA3FF-D943-4219-B518-F21D76D9E50D}"/>
+              </a:ext>
+            </a:extLst>
+          </p:cNvPr>
+          <p:cNvSpPr txBox="1"/>
+          <p:nvPr/>
+        </p:nvSpPr>
+        <p:spPr>
+          <a:xfrm>
+            <a:off x="7741023" y="3309147"/>
+            <a:ext cx="3532094" cy="461665"/>
+          </a:xfrm>
+          <a:prstGeom prst="rect">
+            <a:avLst/>
+          </a:prstGeom>
+          <a:noFill/>
+        </p:spPr>
+        <p:txBody>
+          <a:bodyPr wrap="square" rtlCol="0">
+            <a:spAutoFit/>
+          </a:bodyPr>
+          <a:lstStyle/>
+          <a:p>
+            <a:r>
+              <a:rPr lang="en-US" sz="1200" dirty="0">
+                <a:hlinkClick r:id="rId3"/>
+              </a:rPr>
+              <a:t>https://itoldya420.getarchive.net/amp/media/dart-board-darts-target-sports-6aa47e</a:t>
+            </a:r>
+            <a:endParaRPr lang="en-US" sz="1200" dirty="0"/>
           </a:p>
         </p:txBody>
       </p:sp>
